--- a/artifacts/demo/RiskAnalysis.pptx
+++ b/artifacts/demo/RiskAnalysis.pptx
@@ -128,7 +128,8 @@
 <file path=ppt/revisionInfo.xml><?xml version="1.0" encoding="utf-8"?>
 <p1510:revInfo xmlns:a="http://schemas.openxmlformats.org/drawingml/2006/main" xmlns:r="http://schemas.openxmlformats.org/officeDocument/2006/relationships" xmlns:p1510="http://schemas.microsoft.com/office/powerpoint/2015/10/main">
   <p1510:revLst>
-    <p1510:client id="{B4946AAB-96DE-47D2-A506-4A308E321966}" v="2499" dt="2025-03-26T16:14:49.212"/>
+    <p1510:client id="{3E186D1D-172A-4E64-93D9-147B8D2AC580}" v="72" dt="2025-03-26T17:42:30.506"/>
+    <p1510:client id="{B4946AAB-96DE-47D2-A506-4A308E321966}" v="2500" dt="2025-03-26T17:09:04.790"/>
     <p1510:client id="{E185CF76-C965-4630-ADDE-52BD57C0DB03}" v="2600" dt="2025-03-25T17:19:45.758"/>
   </p1510:revLst>
 </p1510:revInfo>
@@ -9395,7 +9396,7 @@
           <a:lstStyle/>
           <a:p>
             <a:r>
-              <a:rPr lang="en-US" dirty="0"/>
+              <a:rPr lang="en-US"/>
               <a:t>AI Driven Entity Intelligence and Risk Analysis</a:t>
             </a:r>
           </a:p>
@@ -9454,10 +9455,9 @@
           <a:p>
             <a:pPr algn="ctr"/>
             <a:r>
-              <a:rPr lang="en-US" dirty="0"/>
+              <a:rPr lang="en-US"/>
               <a:t>Data Source Integration </a:t>
             </a:r>
-            <a:endParaRPr lang="en-US"/>
           </a:p>
         </p:txBody>
       </p:sp>
@@ -9524,15 +9524,23 @@
           <a:p>
             <a:pPr algn="ctr"/>
             <a:r>
-              <a:rPr lang="en-US" sz="1600" b="1" dirty="0">
+              <a:rPr lang="en-US" sz="1600" b="1">
                 <a:latin typeface="Times New Roman"/>
                 <a:ea typeface="+mn-lt"/>
                 <a:cs typeface="+mn-lt"/>
               </a:rPr>
-              <a:t>Sample output demonstrating efficient handling of corporate names in database search: The input "</a:t>
-            </a:r>
-            <a:r>
-              <a:rPr lang="en-US" sz="1600" b="1" dirty="0" err="1">
+              <a:t>Sample output demonstrating efficient handling of corporate names in database search: </a:t>
+            </a:r>
+            <a:r>
+              <a:rPr lang="en-US" sz="1600">
+                <a:latin typeface="Times New Roman"/>
+                <a:ea typeface="+mn-lt"/>
+                <a:cs typeface="+mn-lt"/>
+              </a:rPr>
+              <a:t>The input "</a:t>
+            </a:r>
+            <a:r>
+              <a:rPr lang="en-US" sz="1600" err="1">
                 <a:latin typeface="Times New Roman"/>
                 <a:ea typeface="+mn-lt"/>
                 <a:cs typeface="+mn-lt"/>
@@ -9540,7 +9548,7 @@
               <a:t>angl</a:t>
             </a:r>
             <a:r>
-              <a:rPr lang="en-US" sz="1600" b="1" dirty="0">
+              <a:rPr lang="en-US" sz="1600">
                 <a:latin typeface="Times New Roman"/>
                 <a:ea typeface="+mn-lt"/>
                 <a:cs typeface="+mn-lt"/>
@@ -9548,7 +9556,7 @@
               <a:t> </a:t>
             </a:r>
             <a:r>
-              <a:rPr lang="en-US" sz="1600" b="1" dirty="0" err="1">
+              <a:rPr lang="en-US" sz="1600" err="1">
                 <a:latin typeface="Times New Roman"/>
                 <a:ea typeface="+mn-lt"/>
                 <a:cs typeface="+mn-lt"/>
@@ -9556,14 +9564,14 @@
               <a:t>carribean</a:t>
             </a:r>
             <a:r>
-              <a:rPr lang="en-US" sz="1600" b="1" dirty="0">
+              <a:rPr lang="en-US" sz="1600">
                 <a:latin typeface="Times New Roman"/>
                 <a:ea typeface="+mn-lt"/>
                 <a:cs typeface="+mn-lt"/>
               </a:rPr>
               <a:t>" successfully matches "ANGLO-CARIBBEAN CO., LTD." in the OFAC Sanctions database.</a:t>
             </a:r>
-            <a:endParaRPr lang="en-US" sz="1600" b="1" dirty="0">
+            <a:endParaRPr lang="en-US" sz="1600">
               <a:latin typeface="Times New Roman"/>
               <a:cs typeface="Times New Roman"/>
             </a:endParaRPr>
@@ -9623,13 +9631,13 @@
           <a:p>
             <a:pPr algn="ctr"/>
             <a:r>
-              <a:rPr lang="en-US" dirty="0">
+              <a:rPr lang="en-US">
                 <a:ea typeface="+mj-lt"/>
                 <a:cs typeface="+mj-lt"/>
               </a:rPr>
               <a:t>Multi-Shot In-Context Learning</a:t>
             </a:r>
-            <a:endParaRPr lang="en-US" dirty="0"/>
+            <a:endParaRPr lang="en-US"/>
           </a:p>
         </p:txBody>
       </p:sp>
@@ -9660,7 +9668,7 @@
               <a:buNone/>
             </a:pPr>
             <a:r>
-              <a:rPr lang="en-US" sz="1600" dirty="0">
+              <a:rPr lang="en-US" sz="1600">
                 <a:latin typeface="Times New Roman"/>
                 <a:ea typeface="+mn-lt"/>
                 <a:cs typeface="+mn-lt"/>
@@ -9672,7 +9680,7 @@
             <a:pPr marL="0" indent="0" algn="ctr">
               <a:buNone/>
             </a:pPr>
-            <a:endParaRPr lang="en-US" sz="1600" dirty="0">
+            <a:endParaRPr lang="en-US" sz="1600">
               <a:latin typeface="Times New Roman"/>
               <a:cs typeface="Times New Roman"/>
             </a:endParaRPr>
@@ -9742,7 +9750,7 @@
           <a:p>
             <a:pPr algn="ctr"/>
             <a:r>
-              <a:rPr lang="en-US" sz="1600" dirty="0">
+              <a:rPr lang="en-US" sz="1600">
                 <a:latin typeface="Times New Roman"/>
                 <a:cs typeface="Times New Roman"/>
               </a:rPr>
@@ -9805,10 +9813,9 @@
           <a:p>
             <a:pPr algn="ctr"/>
             <a:r>
-              <a:rPr lang="en-US" dirty="0"/>
+              <a:rPr lang="en-US"/>
               <a:t>Multi-Shot In-Context Learning</a:t>
             </a:r>
-            <a:endParaRPr lang="en-US"/>
           </a:p>
         </p:txBody>
       </p:sp>
@@ -9874,12 +9881,12 @@
           <a:p>
             <a:pPr algn="ctr"/>
             <a:r>
-              <a:rPr lang="en-US" sz="1600" dirty="0">
+              <a:rPr lang="en-US" sz="1600">
                 <a:latin typeface="Times New Roman"/>
               </a:rPr>
               <a:t>Sample prediction for Structured Transaction data</a:t>
             </a:r>
-            <a:endParaRPr lang="en-US" dirty="0"/>
+            <a:endParaRPr lang="en-US"/>
           </a:p>
         </p:txBody>
       </p:sp>
@@ -9916,14 +9923,22 @@
           <a:p>
             <a:pPr algn="ctr"/>
             <a:r>
-              <a:rPr lang="en-US" sz="1600" dirty="0">
+              <a:rPr lang="en-US" sz="1600" b="1">
                 <a:latin typeface="Times New Roman"/>
                 <a:ea typeface="+mn-lt"/>
                 <a:cs typeface="+mn-lt"/>
               </a:rPr>
-              <a:t>Note: The supporting evidence is based solely on the provided external data sources. Free-tier language models do not have the capability to fetch exact references from the web. To prevent mis-referencing, only integrated data sources are used as supporting evidence.</a:t>
-            </a:r>
-            <a:endParaRPr lang="en-US" dirty="0">
+              <a:t>Note: </a:t>
+            </a:r>
+            <a:r>
+              <a:rPr lang="en-US" sz="1600">
+                <a:latin typeface="Times New Roman"/>
+                <a:ea typeface="+mn-lt"/>
+                <a:cs typeface="+mn-lt"/>
+              </a:rPr>
+              <a:t>The supporting evidence is based solely on the provided external data sources. Free-tier language models do not have the capability to fetch exact references from the web. To prevent mis-referencing, only integrated data sources are used as supporting evidence.</a:t>
+            </a:r>
+            <a:endParaRPr lang="en-US">
               <a:latin typeface="Times New Roman"/>
             </a:endParaRPr>
           </a:p>
@@ -9987,10 +10002,9 @@
           <a:p>
             <a:pPr algn="ctr"/>
             <a:r>
-              <a:rPr lang="en-US" dirty="0"/>
+              <a:rPr lang="en-US"/>
               <a:t>Statistical Model and Explainability</a:t>
             </a:r>
-            <a:endParaRPr lang="en-US"/>
           </a:p>
         </p:txBody>
       </p:sp>
@@ -10026,7 +10040,7 @@
               <a:buNone/>
             </a:pPr>
             <a:r>
-              <a:rPr lang="en-US" sz="1600" dirty="0">
+              <a:rPr lang="en-US" sz="1600">
                 <a:latin typeface="Times New Roman"/>
                 <a:ea typeface="+mn-lt"/>
                 <a:cs typeface="+mn-lt"/>
@@ -10038,7 +10052,7 @@
             <a:pPr marL="0" indent="0" algn="ctr">
               <a:buNone/>
             </a:pPr>
-            <a:endParaRPr lang="en-US" sz="1600" dirty="0">
+            <a:endParaRPr lang="en-US" sz="1600">
               <a:latin typeface="Times New Roman"/>
               <a:ea typeface="+mn-lt"/>
               <a:cs typeface="+mn-lt"/>
@@ -10078,14 +10092,22 @@
           <a:lstStyle/>
           <a:p>
             <a:r>
-              <a:rPr lang="en-US" sz="1600" dirty="0">
+              <a:rPr lang="en-US" sz="1600" b="1">
                 <a:latin typeface="Times New Roman"/>
                 <a:ea typeface="+mn-lt"/>
                 <a:cs typeface="+mn-lt"/>
               </a:rPr>
-              <a:t>Note: This step was not completely achieved and integrated into the pipeline due to time constraints. However, the provided code can generate the desired output from the LLM. Incorporating this step would enhance the model's explainability by grounding the risk score in verifiable statistical metrics.</a:t>
-            </a:r>
-            <a:endParaRPr lang="en-US" sz="1600" dirty="0">
+              <a:t>Note:</a:t>
+            </a:r>
+            <a:r>
+              <a:rPr lang="en-US" sz="1600">
+                <a:latin typeface="Times New Roman"/>
+                <a:ea typeface="+mn-lt"/>
+                <a:cs typeface="+mn-lt"/>
+              </a:rPr>
+              <a:t> This step was not completely achieved and integrated into the pipeline due to time constraints. However, the provided code can generate the desired output from the LLM. Incorporating this step would enhance the model's explainability by grounding the risk score in verifiable statistical metrics.</a:t>
+            </a:r>
+            <a:endParaRPr lang="en-US" sz="1600">
               <a:latin typeface="Times New Roman"/>
             </a:endParaRPr>
           </a:p>
@@ -10144,7 +10166,7 @@
           <a:p>
             <a:pPr algn="ctr"/>
             <a:r>
-              <a:rPr lang="en-US" dirty="0"/>
+              <a:rPr lang="en-US"/>
               <a:t>Confidence Score Prediction</a:t>
             </a:r>
           </a:p>
@@ -10177,15 +10199,15 @@
               <a:buNone/>
             </a:pPr>
             <a:r>
-              <a:rPr lang="en-US" sz="1600" dirty="0">
+              <a:rPr lang="en-US" sz="1600">
                 <a:latin typeface="Times New Roman"/>
                 <a:ea typeface="+mn-lt"/>
                 <a:cs typeface="+mn-lt"/>
               </a:rPr>
-              <a:t>The confidence scores are derived by quantifying uncertainty in the predicted risk score. In the final explainable statistical model for risk prediction, features extracted from external data sources (SEC EDGAR, OFAC Sanctions, </a:t>
-            </a:r>
-            <a:r>
-              <a:rPr lang="en-US" sz="1600" dirty="0" err="1">
+              <a:t>The confidence scores were derived by quantifying uncertainty in the predicted risk score. In the final explainable statistical model for risk prediction, features extracted from external data sources (SEC EDGAR, OFAC Sanctions, </a:t>
+            </a:r>
+            <a:r>
+              <a:rPr lang="en-US" sz="1600" err="1">
                 <a:latin typeface="Times New Roman"/>
                 <a:ea typeface="+mn-lt"/>
                 <a:cs typeface="+mn-lt"/>
@@ -10193,7 +10215,7 @@
               <a:t>WikiData</a:t>
             </a:r>
             <a:r>
-              <a:rPr lang="en-US" sz="1600" dirty="0">
+              <a:rPr lang="en-US" sz="1600">
                 <a:latin typeface="Times New Roman"/>
                 <a:ea typeface="+mn-lt"/>
                 <a:cs typeface="+mn-lt"/>
@@ -10201,7 +10223,7 @@
               <a:t> </a:t>
             </a:r>
             <a:r>
-              <a:rPr lang="en-US" sz="1600" dirty="0" err="1">
+              <a:rPr lang="en-US" sz="1600" err="1">
                 <a:latin typeface="Times New Roman"/>
                 <a:ea typeface="+mn-lt"/>
                 <a:cs typeface="+mn-lt"/>
@@ -10209,14 +10231,14 @@
               <a:t>etc</a:t>
             </a:r>
             <a:r>
-              <a:rPr lang="en-US" sz="1600" dirty="0">
+              <a:rPr lang="en-US" sz="1600">
                 <a:latin typeface="Times New Roman"/>
                 <a:ea typeface="+mn-lt"/>
                 <a:cs typeface="+mn-lt"/>
               </a:rPr>
               <a:t>) provide deterministic information, while uncertainty arises solely from the LLM-predicted risk score. The confidence scores were derived following the below approach:</a:t>
             </a:r>
-            <a:endParaRPr lang="en-US" dirty="0">
+            <a:endParaRPr lang="en-US">
               <a:latin typeface="Times New Roman"/>
             </a:endParaRPr>
           </a:p>
@@ -10225,7 +10247,7 @@
               <a:buNone/>
             </a:pPr>
             <a:r>
-              <a:rPr lang="en-US" sz="1600" b="1" dirty="0">
+              <a:rPr lang="en-US" sz="1600" b="1">
                 <a:latin typeface="Times New Roman"/>
                 <a:cs typeface="Times New Roman"/>
               </a:rPr>
@@ -10237,14 +10259,14 @@
               <a:buNone/>
             </a:pPr>
             <a:r>
-              <a:rPr lang="en-US" sz="1600" dirty="0">
+              <a:rPr lang="en-US" sz="1600">
                 <a:latin typeface="Times New Roman"/>
                 <a:ea typeface="+mn-lt"/>
                 <a:cs typeface="+mn-lt"/>
               </a:rPr>
-              <a:t>The LLM prediction was repeated 5 times, and the standard deviation (σ) of the scores was used to measure uncertainty was computed</a:t>
-            </a:r>
-            <a:endParaRPr lang="en-US" sz="1600" dirty="0">
+              <a:t>The LLM prediction was repeated 5 times, and the standard deviation (σ) of the scores was used to measure uncertainty</a:t>
+            </a:r>
+            <a:endParaRPr lang="en-US" sz="1600">
               <a:latin typeface="Times New Roman"/>
               <a:cs typeface="Times New Roman"/>
             </a:endParaRPr>
@@ -10254,7 +10276,7 @@
               <a:buNone/>
             </a:pPr>
             <a:r>
-              <a:rPr lang="en-US" sz="1600" b="1" dirty="0">
+              <a:rPr lang="en-US" sz="1600" b="1">
                 <a:latin typeface="Times New Roman"/>
                 <a:cs typeface="Times New Roman"/>
               </a:rPr>
@@ -10263,7 +10285,7 @@
           </a:p>
           <a:p>
             <a:r>
-              <a:rPr lang="en-US" sz="1600" dirty="0">
+              <a:rPr lang="en-US" sz="1600">
                 <a:latin typeface="Times New Roman"/>
                 <a:ea typeface="+mn-lt"/>
                 <a:cs typeface="+mn-lt"/>
@@ -10277,21 +10299,21 @@
           </a:p>
           <a:p>
             <a:r>
-              <a:rPr lang="en-US" sz="1600" dirty="0">
+              <a:rPr lang="en-US" sz="1600">
                 <a:latin typeface="Times New Roman"/>
                 <a:ea typeface="+mn-lt"/>
                 <a:cs typeface="+mn-lt"/>
               </a:rPr>
-              <a:t>The confidence score is computed as: Confidence Score = 1 - 2σ (this ensures, confidence scores lie between 0 and 1)</a:t>
-            </a:r>
-            <a:endParaRPr lang="en-US" sz="1600" dirty="0">
+              <a:t>The confidence score was computed as: Confidence Score = 1 - 2σ (this ensures, confidence scores lie between 0 and 1)</a:t>
+            </a:r>
+            <a:endParaRPr lang="en-US" sz="1600">
               <a:latin typeface="Times New Roman"/>
               <a:cs typeface="Times New Roman"/>
             </a:endParaRPr>
           </a:p>
           <a:p>
             <a:r>
-              <a:rPr lang="en-US" sz="1600" dirty="0">
+              <a:rPr lang="en-US" sz="1600">
                 <a:latin typeface="Times New Roman"/>
                 <a:ea typeface="+mn-lt"/>
                 <a:cs typeface="+mn-lt"/>
@@ -10305,19 +10327,19 @@
           </a:p>
           <a:p>
             <a:r>
-              <a:rPr lang="en-US" sz="1600" dirty="0">
+              <a:rPr lang="en-US" sz="1600">
                 <a:latin typeface="Times New Roman"/>
                 <a:ea typeface="+mn-lt"/>
                 <a:cs typeface="+mn-lt"/>
               </a:rPr>
               <a:t>If predictions vary widely (σ ≈ 0.5), confidence is 0 (low confidence).</a:t>
             </a:r>
-            <a:endParaRPr lang="en-US" sz="1600" dirty="0">
+            <a:endParaRPr lang="en-US" sz="1600">
               <a:latin typeface="Times New Roman"/>
             </a:endParaRPr>
           </a:p>
           <a:p>
-            <a:endParaRPr lang="en-US" dirty="0"/>
+            <a:endParaRPr lang="en-US"/>
           </a:p>
         </p:txBody>
       </p:sp>
@@ -10358,52 +10380,52 @@
               </a:lnSpc>
             </a:pPr>
             <a:r>
-              <a:rPr lang="en-US" sz="1600" b="1" dirty="0">
+              <a:rPr lang="en-US" sz="1600" b="1">
                 <a:cs typeface="Segoe UI"/>
               </a:rPr>
               <a:t>Note:</a:t>
             </a:r>
             <a:r>
-              <a:rPr lang="en-US" sz="1600" dirty="0">
+              <a:rPr lang="en-US" sz="1600">
                 <a:cs typeface="Segoe UI"/>
               </a:rPr>
               <a:t>  </a:t>
             </a:r>
             <a:r>
-              <a:rPr lang="en-US" sz="1600" i="1" dirty="0">
+              <a:rPr lang="en-US" sz="1600" i="1">
                 <a:cs typeface="Segoe UI"/>
               </a:rPr>
               <a:t>Code and sample outputs are available in</a:t>
             </a:r>
             <a:r>
-              <a:rPr lang="en-US" sz="1600" dirty="0">
+              <a:rPr lang="en-US" sz="1600">
                 <a:cs typeface="Segoe UI"/>
               </a:rPr>
               <a:t> </a:t>
             </a:r>
             <a:r>
-              <a:rPr lang="en-US" sz="1600" dirty="0">
+              <a:rPr lang="en-US" sz="1600">
                 <a:latin typeface="Consolas"/>
                 <a:cs typeface="Segoe UI"/>
               </a:rPr>
               <a:t>code/</a:t>
             </a:r>
             <a:r>
-              <a:rPr lang="en-US" sz="1600" dirty="0" err="1">
+              <a:rPr lang="en-US" sz="1600" err="1">
                 <a:latin typeface="Consolas"/>
                 <a:cs typeface="Segoe UI"/>
               </a:rPr>
               <a:t>src</a:t>
             </a:r>
             <a:r>
-              <a:rPr lang="en-US" sz="1600" dirty="0">
+              <a:rPr lang="en-US" sz="1600">
                 <a:latin typeface="Consolas"/>
                 <a:cs typeface="Segoe UI"/>
               </a:rPr>
               <a:t>/</a:t>
             </a:r>
             <a:r>
-              <a:rPr lang="en-US" sz="1600" dirty="0" err="1">
+              <a:rPr lang="en-US" sz="1600" err="1">
                 <a:latin typeface="Consolas"/>
                 <a:cs typeface="Segoe UI"/>
               </a:rPr>
@@ -10465,13 +10487,13 @@
           <a:p>
             <a:pPr algn="ctr"/>
             <a:r>
-              <a:rPr lang="en-US" dirty="0">
+              <a:rPr lang="en-US">
                 <a:ea typeface="+mj-lt"/>
                 <a:cs typeface="+mj-lt"/>
               </a:rPr>
               <a:t>Risk Scoring Implementation Pipeline</a:t>
             </a:r>
-            <a:endParaRPr lang="en-US" dirty="0"/>
+            <a:endParaRPr lang="en-US"/>
           </a:p>
         </p:txBody>
       </p:sp>
@@ -10563,13 +10585,13 @@
           <a:p>
             <a:pPr algn="ctr"/>
             <a:r>
-              <a:rPr lang="en-US" dirty="0">
+              <a:rPr lang="en-US">
                 <a:ea typeface="+mj-lt"/>
                 <a:cs typeface="+mj-lt"/>
               </a:rPr>
               <a:t>Risk Scoring Implementation Pipeline</a:t>
             </a:r>
-            <a:endParaRPr lang="en-US" dirty="0"/>
+            <a:endParaRPr lang="en-US"/>
           </a:p>
         </p:txBody>
       </p:sp>
@@ -11588,14 +11610,14 @@
               <a:buNone/>
             </a:pPr>
             <a:r>
-              <a:rPr lang="en-US" sz="1600" dirty="0">
+              <a:rPr lang="en-US" sz="1600">
                 <a:latin typeface="Times New Roman"/>
                 <a:ea typeface="+mn-lt"/>
                 <a:cs typeface="+mn-lt"/>
               </a:rPr>
               <a:t>LLMs are limited to the information available in their training data. Therefore, recent details about organizations must be provided separately to improve risk scoring. To address this, we integrated four external data sources:</a:t>
             </a:r>
-            <a:endParaRPr lang="en-US" sz="1600" dirty="0">
+            <a:endParaRPr lang="en-US" sz="1600">
               <a:latin typeface="Times New Roman"/>
               <a:cs typeface="Times New Roman"/>
             </a:endParaRPr>
@@ -11612,14 +11634,14 @@
           </a:p>
           <a:p>
             <a:r>
-              <a:rPr lang="en-US" sz="1600" b="1" dirty="0">
+              <a:rPr lang="en-US" sz="1600" b="1">
                 <a:latin typeface="Times New Roman"/>
                 <a:ea typeface="+mn-lt"/>
                 <a:cs typeface="+mn-lt"/>
               </a:rPr>
               <a:t>SEC EDGAR:</a:t>
             </a:r>
-            <a:endParaRPr lang="en-US" sz="1600" b="1" dirty="0">
+            <a:endParaRPr lang="en-US" sz="1600" b="1">
               <a:latin typeface="Times New Roman"/>
               <a:cs typeface="Times New Roman"/>
             </a:endParaRPr>
@@ -11630,7 +11652,7 @@
               <a:buChar char="§"/>
             </a:pPr>
             <a:r>
-              <a:rPr lang="en-US" sz="1600" dirty="0">
+              <a:rPr lang="en-US" sz="1600">
                 <a:latin typeface="Times New Roman"/>
                 <a:ea typeface="+mn-lt"/>
                 <a:cs typeface="Times New Roman"/>
@@ -11644,14 +11666,14 @@
               <a:buChar char="§"/>
             </a:pPr>
             <a:r>
-              <a:rPr lang="en-US" sz="1600" dirty="0">
+              <a:rPr lang="en-US" sz="1600">
                 <a:latin typeface="Times New Roman"/>
                 <a:ea typeface="+mn-lt"/>
                 <a:cs typeface="Times New Roman"/>
               </a:rPr>
               <a:t>8-K Filings:  Checked for 8-K filings in last 2 years if registered. These filings report significant corporate events such as bankruptcies, mergers, acquisitions, or executive changes, which can impact financial stability and risk assessment.</a:t>
             </a:r>
-            <a:endParaRPr lang="en-US" sz="1600" dirty="0"/>
+            <a:endParaRPr lang="en-US" sz="1600"/>
           </a:p>
           <a:p>
             <a:r>
@@ -11663,14 +11685,14 @@
               <a:t>WikiData</a:t>
             </a:r>
             <a:r>
-              <a:rPr lang="en-US" sz="1600" b="1" dirty="0">
+              <a:rPr lang="en-US" sz="1600" b="1">
                 <a:latin typeface="Times New Roman"/>
                 <a:ea typeface="+mn-lt"/>
                 <a:cs typeface="+mn-lt"/>
               </a:rPr>
               <a:t>:</a:t>
             </a:r>
-            <a:endParaRPr lang="en-US" sz="1600" b="1" dirty="0">
+            <a:endParaRPr lang="en-US" sz="1600" b="1">
               <a:latin typeface="Times New Roman"/>
             </a:endParaRPr>
           </a:p>
@@ -11680,28 +11702,28 @@
               <a:buChar char="§"/>
             </a:pPr>
             <a:r>
-              <a:rPr lang="en-US" sz="1600" dirty="0">
+              <a:rPr lang="en-US" sz="1600">
                 <a:latin typeface="Times New Roman"/>
                 <a:cs typeface="Times New Roman"/>
               </a:rPr>
               <a:t>Entity Registration: </a:t>
             </a:r>
             <a:r>
-              <a:rPr lang="en-US" sz="1600" dirty="0">
+              <a:rPr lang="en-US" sz="1600">
                 <a:latin typeface="Aptos"/>
                 <a:cs typeface="Times New Roman"/>
               </a:rPr>
               <a:t>Checked for company or individual presence in </a:t>
             </a:r>
             <a:r>
-              <a:rPr lang="en-US" sz="1600" dirty="0" err="1">
+              <a:rPr lang="en-US" sz="1600" err="1">
                 <a:latin typeface="Aptos"/>
                 <a:cs typeface="Times New Roman"/>
               </a:rPr>
               <a:t>WikiData</a:t>
             </a:r>
             <a:r>
-              <a:rPr lang="en-US" sz="1600" dirty="0">
+              <a:rPr lang="en-US" sz="1600">
                 <a:latin typeface="Aptos"/>
                 <a:cs typeface="Times New Roman"/>
               </a:rPr>
@@ -11714,7 +11736,7 @@
               <a:buChar char="§"/>
             </a:pPr>
             <a:r>
-              <a:rPr lang="en-US" sz="1600" dirty="0">
+              <a:rPr lang="en-US" sz="1600">
                 <a:latin typeface="Aptos"/>
                 <a:cs typeface="Times New Roman"/>
               </a:rPr>
@@ -11727,7 +11749,7 @@
               <a:buChar char="o"/>
             </a:pPr>
             <a:r>
-              <a:rPr lang="en-US" sz="1600" dirty="0">
+              <a:rPr lang="en-US" sz="1600">
                 <a:latin typeface="Times New Roman"/>
                 <a:cs typeface="Times New Roman"/>
               </a:rPr>
@@ -11740,7 +11762,7 @@
               <a:buChar char="o"/>
             </a:pPr>
             <a:r>
-              <a:rPr lang="en-US" sz="1600" dirty="0">
+              <a:rPr lang="en-US" sz="1600">
                 <a:latin typeface="Times New Roman"/>
                 <a:cs typeface="Times New Roman"/>
               </a:rPr>
@@ -11753,7 +11775,7 @@
               <a:buChar char="o"/>
             </a:pPr>
             <a:r>
-              <a:rPr lang="en-US" sz="1600" dirty="0">
+              <a:rPr lang="en-US" sz="1600">
                 <a:latin typeface="Times New Roman"/>
                 <a:cs typeface="Times New Roman"/>
               </a:rPr>
@@ -11762,7 +11784,7 @@
           </a:p>
           <a:p>
             <a:r>
-              <a:rPr lang="en-US" sz="1600" dirty="0">
+              <a:rPr lang="en-US" sz="1600">
                 <a:latin typeface="Times New Roman"/>
                 <a:cs typeface="Times New Roman"/>
               </a:rPr>
@@ -11771,13 +11793,13 @@
           </a:p>
           <a:p>
             <a:r>
-              <a:rPr lang="en-US" sz="1600" dirty="0">
+              <a:rPr lang="en-US" sz="1600">
                 <a:latin typeface="Times New Roman"/>
                 <a:cs typeface="Times New Roman"/>
               </a:rPr>
               <a:t>Extracted the top 3 most recent news articles mentioning the organization's name using News API</a:t>
             </a:r>
-            <a:endParaRPr lang="en-US" sz="1600" dirty="0"/>
+            <a:endParaRPr lang="en-US" sz="1600"/>
           </a:p>
           <a:p>
             <a:endParaRPr lang="en-US" sz="1600">
@@ -11887,7 +11909,7 @@
           <a:p>
             <a:pPr algn="ctr"/>
             <a:r>
-              <a:rPr lang="en-US" dirty="0"/>
+              <a:rPr lang="en-US"/>
               <a:t>Entity Matching and Normalization</a:t>
             </a:r>
           </a:p>
@@ -11925,14 +11947,14 @@
               <a:buNone/>
             </a:pPr>
             <a:r>
-              <a:rPr lang="en-US" sz="1600" dirty="0">
+              <a:rPr lang="en-US" sz="1600">
                 <a:latin typeface="Times New Roman"/>
                 <a:cs typeface="Times New Roman"/>
               </a:rPr>
-              <a:t>Data taken from different sources that have inconsistencies in entity names. To handle</a:t>
-            </a:r>
-            <a:r>
-              <a:rPr lang="en-US" sz="1600" dirty="0">
+              <a:t>Data taken from different sources have inconsistencies in entity names. To handle</a:t>
+            </a:r>
+            <a:r>
+              <a:rPr lang="en-US" sz="1600">
                 <a:latin typeface="Times New Roman"/>
                 <a:ea typeface="+mn-lt"/>
                 <a:cs typeface="Times New Roman"/>
@@ -11940,26 +11962,26 @@
               <a:t> </a:t>
             </a:r>
             <a:r>
-              <a:rPr lang="en-US" sz="1600" dirty="0">
+              <a:rPr lang="en-US" sz="1600">
                 <a:latin typeface="Times New Roman"/>
                 <a:ea typeface="+mn-lt"/>
                 <a:cs typeface="+mn-lt"/>
               </a:rPr>
               <a:t>inconsistencies (e.g., "Samsung Electronics," "Samsung," and "Samsung Electronics Pvt Ltd" should be recognized as the same entity) we followed the below approach for data source integration</a:t>
             </a:r>
-            <a:endParaRPr lang="en-US" sz="1600" dirty="0">
+            <a:endParaRPr lang="en-US" sz="1600">
               <a:latin typeface="Times New Roman"/>
             </a:endParaRPr>
           </a:p>
           <a:p>
             <a:r>
-              <a:rPr lang="en-US" sz="1600" b="1" dirty="0">
+              <a:rPr lang="en-US" sz="1600" b="1">
                 <a:latin typeface="Times New Roman"/>
                 <a:cs typeface="Times New Roman"/>
               </a:rPr>
               <a:t>Data Pre-processing and Standardization</a:t>
             </a:r>
-            <a:endParaRPr lang="en-US" sz="1600" b="1" dirty="0">
+            <a:endParaRPr lang="en-US" sz="1600" b="1">
               <a:latin typeface="Times New Roman"/>
               <a:ea typeface="+mn-lt"/>
               <a:cs typeface="Times New Roman"/>
@@ -11968,21 +11990,21 @@
           <a:p>
             <a:pPr lvl="1"/>
             <a:r>
-              <a:rPr lang="en-US" sz="1600" dirty="0">
+              <a:rPr lang="en-US" sz="1600">
                 <a:latin typeface="Times New Roman"/>
                 <a:ea typeface="+mn-lt"/>
                 <a:cs typeface="+mn-lt"/>
               </a:rPr>
-              <a:t>We pre-processed entity names by converting them to lowercase, removing special characters, and stripping common business suffixes like "Ltd" and "Solutions" to improve database search accuracy.</a:t>
-            </a:r>
-            <a:endParaRPr lang="en-US" sz="1600" dirty="0">
+              <a:t>Pre-processed entity names by converting them to lowercase, removing special characters, and stripping common business suffixes like "Ltd" and "Solutions" to improve database search accuracy.</a:t>
+            </a:r>
+            <a:endParaRPr lang="en-US" sz="1600">
               <a:latin typeface="Times New Roman"/>
               <a:cs typeface="Times New Roman"/>
             </a:endParaRPr>
           </a:p>
           <a:p>
             <a:r>
-              <a:rPr lang="en-US" sz="1600" b="1" dirty="0">
+              <a:rPr lang="en-US" sz="1600" b="1">
                 <a:latin typeface="Times New Roman"/>
                 <a:cs typeface="Times New Roman"/>
               </a:rPr>
@@ -11992,14 +12014,14 @@
           <a:p>
             <a:pPr lvl="1"/>
             <a:r>
-              <a:rPr lang="en-US" sz="1600" dirty="0">
+              <a:rPr lang="en-US" sz="1600">
                 <a:latin typeface="Times New Roman"/>
                 <a:ea typeface="+mn-lt"/>
                 <a:cs typeface="+mn-lt"/>
               </a:rPr>
-              <a:t>Since advanced string-matching algorithms are computationally expensive, we used cosine similarity to narrow down potential matches efficiently.</a:t>
-            </a:r>
-            <a:endParaRPr lang="en-US" sz="1600" dirty="0">
+              <a:t>Since advanced string-matching algorithms are computationally expensive, we used cosine similarity to narrow down potential matches.</a:t>
+            </a:r>
+            <a:endParaRPr lang="en-US" sz="1600">
               <a:latin typeface="Times New Roman"/>
               <a:cs typeface="Times New Roman"/>
             </a:endParaRPr>
@@ -12007,21 +12029,21 @@
           <a:p>
             <a:pPr lvl="1"/>
             <a:r>
-              <a:rPr lang="en-US" sz="1600" dirty="0">
+              <a:rPr lang="en-US" sz="1600">
                 <a:latin typeface="Times New Roman"/>
                 <a:ea typeface="+mn-lt"/>
                 <a:cs typeface="+mn-lt"/>
               </a:rPr>
               <a:t>We transformed company names into n-grams and applied a TF-IDF transformation, creating a sparse matrix where only relevant n-gram elements were filled. By computing the dot product between the dataset matrix and the query name matrix, we obtained cosine similarity scores. We then used a partition function to select the top five best matches.</a:t>
             </a:r>
-            <a:endParaRPr lang="en-US" sz="1600" dirty="0">
+            <a:endParaRPr lang="en-US" sz="1600">
               <a:latin typeface="Times New Roman"/>
               <a:cs typeface="Times New Roman"/>
             </a:endParaRPr>
           </a:p>
           <a:p>
             <a:r>
-              <a:rPr lang="en-US" sz="1600" b="1" dirty="0">
+              <a:rPr lang="en-US" sz="1600" b="1">
                 <a:latin typeface="Times New Roman"/>
                 <a:cs typeface="Times New Roman"/>
               </a:rPr>
@@ -12031,7 +12053,7 @@
           <a:p>
             <a:pPr lvl="1"/>
             <a:r>
-              <a:rPr lang="en-US" sz="1600" dirty="0">
+              <a:rPr lang="en-US" sz="1600">
                 <a:latin typeface="Times New Roman"/>
                 <a:ea typeface="+mn-lt"/>
                 <a:cs typeface="+mn-lt"/>
@@ -12047,14 +12069,14 @@
               <a:t>Levenshtein</a:t>
             </a:r>
             <a:r>
-              <a:rPr lang="en-US" sz="1600" dirty="0">
+              <a:rPr lang="en-US" sz="1600">
                 <a:latin typeface="Times New Roman"/>
                 <a:ea typeface="+mn-lt"/>
                 <a:cs typeface="+mn-lt"/>
               </a:rPr>
               <a:t> distance, which measures the number of edits (substitutions, insertions, deletions) needed to transform one string into another.</a:t>
             </a:r>
-            <a:endParaRPr lang="en-US" sz="1600" dirty="0">
+            <a:endParaRPr lang="en-US" sz="1600">
               <a:latin typeface="Times New Roman"/>
               <a:cs typeface="Times New Roman"/>
             </a:endParaRPr>
@@ -12062,7 +12084,7 @@
           <a:p>
             <a:pPr lvl="1"/>
             <a:r>
-              <a:rPr lang="en-US" sz="1600" dirty="0">
+              <a:rPr lang="en-US" sz="1600">
                 <a:latin typeface="Times New Roman"/>
                 <a:ea typeface="+mn-lt"/>
                 <a:cs typeface="+mn-lt"/>
@@ -12075,7 +12097,7 @@
             </a:endParaRPr>
           </a:p>
           <a:p>
-            <a:endParaRPr lang="en-US" sz="1200" b="1" dirty="0">
+            <a:endParaRPr lang="en-US" sz="1200" b="1">
               <a:solidFill>
                 <a:srgbClr val="3C3C3B"/>
               </a:solidFill>
@@ -12084,7 +12106,7 @@
             </a:endParaRPr>
           </a:p>
           <a:p>
-            <a:endParaRPr lang="en-US" sz="1200" dirty="0">
+            <a:endParaRPr lang="en-US" sz="1200">
               <a:solidFill>
                 <a:srgbClr val="3C3C3B"/>
               </a:solidFill>
@@ -12093,14 +12115,14 @@
             </a:endParaRPr>
           </a:p>
           <a:p>
-            <a:endParaRPr lang="en-US" sz="1200" dirty="0">
+            <a:endParaRPr lang="en-US" sz="1200">
               <a:solidFill>
                 <a:srgbClr val="3C3C3B"/>
               </a:solidFill>
             </a:endParaRPr>
           </a:p>
           <a:p>
-            <a:endParaRPr lang="en-US" sz="1200" dirty="0">
+            <a:endParaRPr lang="en-US" sz="1200">
               <a:solidFill>
                 <a:srgbClr val="3C3C3B"/>
               </a:solidFill>
@@ -12162,7 +12184,7 @@
           <a:p>
             <a:pPr algn="ctr"/>
             <a:r>
-              <a:rPr lang="en-US" dirty="0"/>
+              <a:rPr lang="en-US"/>
               <a:t>Data Source Integration </a:t>
             </a:r>
           </a:p>
